--- a/relation.pptx
+++ b/relation.pptx
@@ -288,7 +288,7 @@
           <a:p>
             <a:fld id="{599EED05-961A-1749-8428-52AC64FB94B8}" type="datetimeFigureOut">
               <a:rPr kumimoji="1" lang="ja-JP" altLang="en-US" smtClean="0"/>
-              <a:t>17/01/15</a:t>
+              <a:t>17/04/01</a:t>
             </a:fld>
             <a:endParaRPr kumimoji="1" lang="ja-JP" altLang="en-US"/>
           </a:p>
@@ -490,7 +490,7 @@
           <a:p>
             <a:fld id="{599EED05-961A-1749-8428-52AC64FB94B8}" type="datetimeFigureOut">
               <a:rPr kumimoji="1" lang="ja-JP" altLang="en-US" smtClean="0"/>
-              <a:t>17/01/15</a:t>
+              <a:t>17/04/01</a:t>
             </a:fld>
             <a:endParaRPr kumimoji="1" lang="ja-JP" altLang="en-US"/>
           </a:p>
@@ -702,7 +702,7 @@
           <a:p>
             <a:fld id="{599EED05-961A-1749-8428-52AC64FB94B8}" type="datetimeFigureOut">
               <a:rPr kumimoji="1" lang="ja-JP" altLang="en-US" smtClean="0"/>
-              <a:t>17/01/15</a:t>
+              <a:t>17/04/01</a:t>
             </a:fld>
             <a:endParaRPr kumimoji="1" lang="ja-JP" altLang="en-US"/>
           </a:p>
@@ -904,7 +904,7 @@
           <a:p>
             <a:fld id="{599EED05-961A-1749-8428-52AC64FB94B8}" type="datetimeFigureOut">
               <a:rPr kumimoji="1" lang="ja-JP" altLang="en-US" smtClean="0"/>
-              <a:t>17/01/15</a:t>
+              <a:t>17/04/01</a:t>
             </a:fld>
             <a:endParaRPr kumimoji="1" lang="ja-JP" altLang="en-US"/>
           </a:p>
@@ -1150,7 +1150,7 @@
           <a:p>
             <a:fld id="{599EED05-961A-1749-8428-52AC64FB94B8}" type="datetimeFigureOut">
               <a:rPr kumimoji="1" lang="ja-JP" altLang="en-US" smtClean="0"/>
-              <a:t>17/01/15</a:t>
+              <a:t>17/04/01</a:t>
             </a:fld>
             <a:endParaRPr kumimoji="1" lang="ja-JP" altLang="en-US"/>
           </a:p>
@@ -1502,7 +1502,7 @@
           <a:p>
             <a:fld id="{599EED05-961A-1749-8428-52AC64FB94B8}" type="datetimeFigureOut">
               <a:rPr kumimoji="1" lang="ja-JP" altLang="en-US" smtClean="0"/>
-              <a:t>17/01/15</a:t>
+              <a:t>17/04/01</a:t>
             </a:fld>
             <a:endParaRPr kumimoji="1" lang="ja-JP" altLang="en-US"/>
           </a:p>
@@ -1988,7 +1988,7 @@
           <a:p>
             <a:fld id="{599EED05-961A-1749-8428-52AC64FB94B8}" type="datetimeFigureOut">
               <a:rPr kumimoji="1" lang="ja-JP" altLang="en-US" smtClean="0"/>
-              <a:t>17/01/15</a:t>
+              <a:t>17/04/01</a:t>
             </a:fld>
             <a:endParaRPr kumimoji="1" lang="ja-JP" altLang="en-US"/>
           </a:p>
@@ -2106,7 +2106,7 @@
           <a:p>
             <a:fld id="{599EED05-961A-1749-8428-52AC64FB94B8}" type="datetimeFigureOut">
               <a:rPr kumimoji="1" lang="ja-JP" altLang="en-US" smtClean="0"/>
-              <a:t>17/01/15</a:t>
+              <a:t>17/04/01</a:t>
             </a:fld>
             <a:endParaRPr kumimoji="1" lang="ja-JP" altLang="en-US"/>
           </a:p>
@@ -2201,7 +2201,7 @@
           <a:p>
             <a:fld id="{599EED05-961A-1749-8428-52AC64FB94B8}" type="datetimeFigureOut">
               <a:rPr kumimoji="1" lang="ja-JP" altLang="en-US" smtClean="0"/>
-              <a:t>17/01/15</a:t>
+              <a:t>17/04/01</a:t>
             </a:fld>
             <a:endParaRPr kumimoji="1" lang="ja-JP" altLang="en-US"/>
           </a:p>
@@ -2510,7 +2510,7 @@
           <a:p>
             <a:fld id="{599EED05-961A-1749-8428-52AC64FB94B8}" type="datetimeFigureOut">
               <a:rPr kumimoji="1" lang="ja-JP" altLang="en-US" smtClean="0"/>
-              <a:t>17/01/15</a:t>
+              <a:t>17/04/01</a:t>
             </a:fld>
             <a:endParaRPr kumimoji="1" lang="ja-JP" altLang="en-US"/>
           </a:p>
@@ -2763,7 +2763,7 @@
           <a:p>
             <a:fld id="{599EED05-961A-1749-8428-52AC64FB94B8}" type="datetimeFigureOut">
               <a:rPr kumimoji="1" lang="ja-JP" altLang="en-US" smtClean="0"/>
-              <a:t>17/01/15</a:t>
+              <a:t>17/04/01</a:t>
             </a:fld>
             <a:endParaRPr kumimoji="1" lang="ja-JP" altLang="en-US"/>
           </a:p>
@@ -3008,7 +3008,7 @@
           <a:p>
             <a:fld id="{599EED05-961A-1749-8428-52AC64FB94B8}" type="datetimeFigureOut">
               <a:rPr kumimoji="1" lang="ja-JP" altLang="en-US" smtClean="0"/>
-              <a:t>17/01/15</a:t>
+              <a:t>17/04/01</a:t>
             </a:fld>
             <a:endParaRPr kumimoji="1" lang="ja-JP" altLang="en-US"/>
           </a:p>
@@ -3424,12 +3424,36 @@
           <a:p>
             <a:pPr algn="ctr"/>
             <a:r>
+              <a:rPr lang="en-US" altLang="ja-JP" dirty="0">
+                <a:solidFill>
+                  <a:schemeClr val="tx1"/>
+                </a:solidFill>
+              </a:rPr>
+              <a:t>5</a:t>
+            </a:r>
+            <a:r>
+              <a:rPr lang="en-US" altLang="ja-JP" dirty="0" smtClean="0">
+                <a:solidFill>
+                  <a:schemeClr val="tx1"/>
+                </a:solidFill>
+              </a:rPr>
+              <a:t>.</a:t>
+            </a:r>
+            <a:r>
               <a:rPr lang="ja-JP" altLang="en-US" dirty="0" smtClean="0">
                 <a:solidFill>
                   <a:schemeClr val="tx1"/>
                 </a:solidFill>
               </a:rPr>
-              <a:t>複数を組み合わせる</a:t>
+              <a:t>複数</a:t>
+            </a:r>
+            <a:r>
+              <a:rPr lang="ja-JP" altLang="en-US" dirty="0" smtClean="0">
+                <a:solidFill>
+                  <a:schemeClr val="tx1"/>
+                </a:solidFill>
+              </a:rPr>
+              <a:t>を組み合わせる</a:t>
             </a:r>
             <a:endParaRPr kumimoji="1" lang="ja-JP" altLang="en-US" dirty="0">
               <a:solidFill>
@@ -3480,12 +3504,28 @@
           <a:p>
             <a:pPr algn="ctr"/>
             <a:r>
+              <a:rPr lang="en-US" altLang="ja-JP" dirty="0" smtClean="0">
+                <a:solidFill>
+                  <a:schemeClr val="tx1"/>
+                </a:solidFill>
+              </a:rPr>
+              <a:t>9.</a:t>
+            </a:r>
+            <a:r>
               <a:rPr lang="ja-JP" altLang="en-US" dirty="0" smtClean="0">
                 <a:solidFill>
                   <a:schemeClr val="tx1"/>
                 </a:solidFill>
               </a:rPr>
-              <a:t>ボトルネックを追いかける</a:t>
+              <a:t>ボトルネック</a:t>
+            </a:r>
+            <a:r>
+              <a:rPr lang="ja-JP" altLang="en-US" dirty="0" smtClean="0">
+                <a:solidFill>
+                  <a:schemeClr val="tx1"/>
+                </a:solidFill>
+              </a:rPr>
+              <a:t>を追いかける</a:t>
             </a:r>
             <a:endParaRPr kumimoji="1" lang="ja-JP" altLang="en-US" dirty="0">
               <a:solidFill>
@@ -3536,12 +3576,28 @@
           <a:p>
             <a:pPr algn="ctr"/>
             <a:r>
+              <a:rPr lang="en-US" altLang="ja-JP" dirty="0" smtClean="0">
+                <a:solidFill>
+                  <a:schemeClr val="tx1"/>
+                </a:solidFill>
+              </a:rPr>
+              <a:t>2.</a:t>
+            </a:r>
+            <a:r>
               <a:rPr lang="ja-JP" altLang="en-US" dirty="0" smtClean="0">
                 <a:solidFill>
                   <a:schemeClr val="tx1"/>
                 </a:solidFill>
               </a:rPr>
-              <a:t>近い未来を予測する</a:t>
+              <a:t>近い</a:t>
+            </a:r>
+            <a:r>
+              <a:rPr lang="ja-JP" altLang="en-US" dirty="0" smtClean="0">
+                <a:solidFill>
+                  <a:schemeClr val="tx1"/>
+                </a:solidFill>
+              </a:rPr>
+              <a:t>未来を予測する</a:t>
             </a:r>
             <a:endParaRPr kumimoji="1" lang="ja-JP" altLang="en-US" dirty="0">
               <a:solidFill>
@@ -3592,12 +3648,28 @@
           <a:p>
             <a:pPr algn="ctr"/>
             <a:r>
+              <a:rPr lang="en-US" altLang="ja-JP" dirty="0" smtClean="0">
+                <a:solidFill>
+                  <a:schemeClr val="tx1"/>
+                </a:solidFill>
+              </a:rPr>
+              <a:t>8.</a:t>
+            </a:r>
+            <a:r>
               <a:rPr lang="ja-JP" altLang="en-US" dirty="0" smtClean="0">
                 <a:solidFill>
                   <a:schemeClr val="tx1"/>
                 </a:solidFill>
               </a:rPr>
-              <a:t>成長を実感する</a:t>
+              <a:t>成長</a:t>
+            </a:r>
+            <a:r>
+              <a:rPr lang="ja-JP" altLang="en-US" dirty="0" smtClean="0">
+                <a:solidFill>
+                  <a:schemeClr val="tx1"/>
+                </a:solidFill>
+              </a:rPr>
+              <a:t>を実感する</a:t>
             </a:r>
             <a:endParaRPr kumimoji="1" lang="ja-JP" altLang="en-US" dirty="0">
               <a:solidFill>
@@ -3648,12 +3720,36 @@
           <a:p>
             <a:pPr algn="ctr"/>
             <a:r>
+              <a:rPr lang="en-US" altLang="ja-JP" dirty="0">
+                <a:solidFill>
+                  <a:schemeClr val="tx1"/>
+                </a:solidFill>
+              </a:rPr>
+              <a:t>4</a:t>
+            </a:r>
+            <a:r>
+              <a:rPr lang="en-US" altLang="ja-JP" dirty="0" smtClean="0">
+                <a:solidFill>
+                  <a:schemeClr val="tx1"/>
+                </a:solidFill>
+              </a:rPr>
+              <a:t>.</a:t>
+            </a:r>
+            <a:r>
               <a:rPr lang="ja-JP" altLang="en-US" dirty="0" smtClean="0">
                 <a:solidFill>
                   <a:schemeClr val="tx1"/>
                 </a:solidFill>
               </a:rPr>
-              <a:t>自動化の恩恵に預かる</a:t>
+              <a:t>自動化</a:t>
+            </a:r>
+            <a:r>
+              <a:rPr lang="ja-JP" altLang="en-US" dirty="0" smtClean="0">
+                <a:solidFill>
+                  <a:schemeClr val="tx1"/>
+                </a:solidFill>
+              </a:rPr>
+              <a:t>の恩恵に預かる</a:t>
             </a:r>
             <a:endParaRPr kumimoji="1" lang="ja-JP" altLang="en-US" dirty="0">
               <a:solidFill>
@@ -3704,12 +3800,28 @@
           <a:p>
             <a:pPr algn="ctr"/>
             <a:r>
+              <a:rPr kumimoji="1" lang="en-US" altLang="ja-JP" dirty="0" smtClean="0">
+                <a:solidFill>
+                  <a:schemeClr val="tx1"/>
+                </a:solidFill>
+              </a:rPr>
+              <a:t>1.</a:t>
+            </a:r>
+            <a:r>
               <a:rPr kumimoji="1" lang="ja-JP" altLang="en-US" dirty="0" smtClean="0">
                 <a:solidFill>
                   <a:schemeClr val="tx1"/>
                 </a:solidFill>
               </a:rPr>
-              <a:t>問題にフォーカスする</a:t>
+              <a:t>問題</a:t>
+            </a:r>
+            <a:r>
+              <a:rPr kumimoji="1" lang="ja-JP" altLang="en-US" dirty="0" smtClean="0">
+                <a:solidFill>
+                  <a:schemeClr val="tx1"/>
+                </a:solidFill>
+              </a:rPr>
+              <a:t>にフォーカスする</a:t>
             </a:r>
             <a:endParaRPr kumimoji="1" lang="ja-JP" altLang="en-US" dirty="0">
               <a:solidFill>
@@ -3760,12 +3872,28 @@
           <a:p>
             <a:pPr algn="ctr"/>
             <a:r>
+              <a:rPr lang="en-US" altLang="ja-JP" dirty="0" smtClean="0">
+                <a:solidFill>
+                  <a:schemeClr val="tx1"/>
+                </a:solidFill>
+              </a:rPr>
+              <a:t>3.</a:t>
+            </a:r>
+            <a:r>
               <a:rPr lang="ja-JP" altLang="en-US" dirty="0" smtClean="0">
                 <a:solidFill>
                   <a:schemeClr val="tx1"/>
                 </a:solidFill>
               </a:rPr>
-              <a:t>変化が見るかに着目する</a:t>
+              <a:t>変化</a:t>
+            </a:r>
+            <a:r>
+              <a:rPr lang="ja-JP" altLang="en-US" dirty="0" smtClean="0">
+                <a:solidFill>
+                  <a:schemeClr val="tx1"/>
+                </a:solidFill>
+              </a:rPr>
+              <a:t>が見るかに着目する</a:t>
             </a:r>
             <a:endParaRPr kumimoji="1" lang="ja-JP" altLang="en-US" dirty="0">
               <a:solidFill>
@@ -3816,12 +3944,36 @@
           <a:p>
             <a:pPr algn="ctr"/>
             <a:r>
+              <a:rPr lang="en-US" altLang="ja-JP" dirty="0">
+                <a:solidFill>
+                  <a:schemeClr val="tx1"/>
+                </a:solidFill>
+              </a:rPr>
+              <a:t>6</a:t>
+            </a:r>
+            <a:r>
+              <a:rPr lang="en-US" altLang="ja-JP" dirty="0" smtClean="0">
+                <a:solidFill>
+                  <a:schemeClr val="tx1"/>
+                </a:solidFill>
+              </a:rPr>
+              <a:t>.</a:t>
+            </a:r>
+            <a:r>
               <a:rPr lang="ja-JP" altLang="en-US" dirty="0" smtClean="0">
                 <a:solidFill>
                   <a:schemeClr val="tx1"/>
                 </a:solidFill>
               </a:rPr>
-              <a:t>自分たちで創る</a:t>
+              <a:t>自分</a:t>
+            </a:r>
+            <a:r>
+              <a:rPr lang="ja-JP" altLang="en-US" dirty="0" smtClean="0">
+                <a:solidFill>
+                  <a:schemeClr val="tx1"/>
+                </a:solidFill>
+              </a:rPr>
+              <a:t>たちで創る</a:t>
             </a:r>
             <a:endParaRPr kumimoji="1" lang="ja-JP" altLang="en-US" dirty="0">
               <a:solidFill>
@@ -3872,12 +4024,36 @@
           <a:p>
             <a:pPr algn="ctr"/>
             <a:r>
+              <a:rPr lang="en-US" altLang="ja-JP" dirty="0">
+                <a:solidFill>
+                  <a:schemeClr val="tx1"/>
+                </a:solidFill>
+              </a:rPr>
+              <a:t>7</a:t>
+            </a:r>
+            <a:r>
+              <a:rPr kumimoji="1" lang="en-US" altLang="ja-JP" dirty="0" smtClean="0">
+                <a:solidFill>
+                  <a:schemeClr val="tx1"/>
+                </a:solidFill>
+              </a:rPr>
+              <a:t>.</a:t>
+            </a:r>
+            <a:r>
               <a:rPr kumimoji="1" lang="ja-JP" altLang="en-US" dirty="0" smtClean="0">
                 <a:solidFill>
                   <a:schemeClr val="tx1"/>
                 </a:solidFill>
               </a:rPr>
-              <a:t>目的を共有する</a:t>
+              <a:t>目的</a:t>
+            </a:r>
+            <a:r>
+              <a:rPr kumimoji="1" lang="ja-JP" altLang="en-US" dirty="0" smtClean="0">
+                <a:solidFill>
+                  <a:schemeClr val="tx1"/>
+                </a:solidFill>
+              </a:rPr>
+              <a:t>を共有する</a:t>
             </a:r>
             <a:endParaRPr kumimoji="1" lang="ja-JP" altLang="en-US" dirty="0">
               <a:solidFill>
@@ -4442,12 +4618,28 @@
           <a:p>
             <a:pPr algn="ctr"/>
             <a:r>
+              <a:rPr lang="en-US" altLang="ja-JP" smtClean="0">
+                <a:solidFill>
+                  <a:schemeClr val="tx1"/>
+                </a:solidFill>
+              </a:rPr>
+              <a:t>10.</a:t>
+            </a:r>
+            <a:r>
+              <a:rPr lang="ja-JP" altLang="en-US" smtClean="0">
+                <a:solidFill>
+                  <a:schemeClr val="tx1"/>
+                </a:solidFill>
+              </a:rPr>
+              <a:t>会話</a:t>
+            </a:r>
+            <a:r>
               <a:rPr lang="ja-JP" altLang="en-US" dirty="0" smtClean="0">
                 <a:solidFill>
                   <a:schemeClr val="tx1"/>
                 </a:solidFill>
               </a:rPr>
-              <a:t>会話を促す</a:t>
+              <a:t>を促す</a:t>
             </a:r>
             <a:endParaRPr kumimoji="1" lang="ja-JP" altLang="en-US" dirty="0">
               <a:solidFill>
